--- a/Courses/Software-Sciences/IT-Module-4-Problem-Solving-with-ICT/02-Sequential-(Linear)-Models/02-Sequential-(Linear)-Models.pptx
+++ b/Courses/Software-Sciences/IT-Module-4-Problem-Solving-with-ICT/02-Sequential-(Linear)-Models/02-Sequential-(Linear)-Models.pptx
@@ -320,7 +320,7 @@
           <a:p>
             <a:fld id="{4E087215-0C8F-4762-A664-737A353EC9A4}" type="datetimeFigureOut">
               <a:rPr lang="bg-BG" smtClean="0"/>
-              <a:t>5.03.25 г.</a:t>
+              <a:t>18.03.25 г.</a:t>
             </a:fld>
             <a:endParaRPr lang="bg-BG"/>
           </a:p>
@@ -516,7 +516,7 @@
           <a:p>
             <a:fld id="{72D84649-876A-46C9-8472-14CB09C070D8}" type="datetimeFigureOut">
               <a:rPr lang="en-US" smtClean="0"/>
-              <a:t>3/5/25</a:t>
+              <a:t>3/18/25</a:t>
             </a:fld>
             <a:endParaRPr lang="en-US"/>
           </a:p>
@@ -11988,7 +11988,13 @@
               <a:rPr lang="en-US" sz="3400" dirty="0">
                 <a:hlinkClick r:id="rId3"/>
               </a:rPr>
-              <a:t>https://asana.com/</a:t>
+              <a:t>https://asana</a:t>
+            </a:r>
+            <a:r>
+              <a:rPr lang="en-US" sz="3400">
+                <a:hlinkClick r:id="rId3"/>
+              </a:rPr>
+              <a:t>.com</a:t>
             </a:r>
             <a:endParaRPr lang="en-US" sz="3400" dirty="0"/>
           </a:p>
@@ -13164,11 +13170,11 @@
   <p:clrMapOvr>
     <a:masterClrMapping/>
   </p:clrMapOvr>
-  <mc:AlternateContent xmlns:mc="http://schemas.openxmlformats.org/markup-compatibility/2006">
-    <mc:Choice xmlns:p14="http://schemas.microsoft.com/office/powerpoint/2010/main" Requires="p14">
+  <mc:AlternateContent xmlns:mc="http://schemas.openxmlformats.org/markup-compatibility/2006" xmlns:p14="http://schemas.microsoft.com/office/powerpoint/2010/main">
+    <mc:Choice Requires="p14">
       <p:transition spd="slow" p14:dur="2000" advClick="0" advTm="5000"/>
     </mc:Choice>
-    <mc:Fallback>
+    <mc:Fallback xmlns="">
       <p:transition spd="slow" advClick="0" advTm="5000"/>
     </mc:Fallback>
   </mc:AlternateContent>
@@ -14218,11 +14224,11 @@
   <p:clrMapOvr>
     <a:masterClrMapping/>
   </p:clrMapOvr>
-  <mc:AlternateContent xmlns:mc="http://schemas.openxmlformats.org/markup-compatibility/2006">
-    <mc:Choice xmlns:p14="http://schemas.microsoft.com/office/powerpoint/2010/main" Requires="p14">
+  <mc:AlternateContent xmlns:mc="http://schemas.openxmlformats.org/markup-compatibility/2006" xmlns:p14="http://schemas.microsoft.com/office/powerpoint/2010/main">
+    <mc:Choice Requires="p14">
       <p:transition spd="slow" p14:dur="2000" advClick="0" advTm="5000"/>
     </mc:Choice>
-    <mc:Fallback>
+    <mc:Fallback xmlns="">
       <p:transition spd="slow" advClick="0" advTm="5000"/>
     </mc:Fallback>
   </mc:AlternateContent>
@@ -15874,11 +15880,11 @@
   <p:clrMapOvr>
     <a:masterClrMapping/>
   </p:clrMapOvr>
-  <mc:AlternateContent xmlns:mc="http://schemas.openxmlformats.org/markup-compatibility/2006">
-    <mc:Choice xmlns:p14="http://schemas.microsoft.com/office/powerpoint/2010/main" Requires="p14">
+  <mc:AlternateContent xmlns:mc="http://schemas.openxmlformats.org/markup-compatibility/2006" xmlns:p14="http://schemas.microsoft.com/office/powerpoint/2010/main">
+    <mc:Choice Requires="p14">
       <p:transition spd="slow" p14:dur="2000" advClick="0" advTm="5000"/>
     </mc:Choice>
-    <mc:Fallback>
+    <mc:Fallback xmlns="">
       <p:transition spd="slow" advClick="0" advTm="5000"/>
     </mc:Fallback>
   </mc:AlternateContent>
@@ -16515,11 +16521,11 @@
   <p:clrMapOvr>
     <a:masterClrMapping/>
   </p:clrMapOvr>
-  <mc:AlternateContent xmlns:mc="http://schemas.openxmlformats.org/markup-compatibility/2006">
-    <mc:Choice xmlns:p14="http://schemas.microsoft.com/office/powerpoint/2010/main" Requires="p14">
+  <mc:AlternateContent xmlns:mc="http://schemas.openxmlformats.org/markup-compatibility/2006" xmlns:p14="http://schemas.microsoft.com/office/powerpoint/2010/main">
+    <mc:Choice Requires="p14">
       <p:transition spd="slow" p14:dur="2000" advClick="0" advTm="5000"/>
     </mc:Choice>
-    <mc:Fallback>
+    <mc:Fallback xmlns="">
       <p:transition spd="slow" advClick="0" advTm="5000"/>
     </mc:Fallback>
   </mc:AlternateContent>

--- a/Courses/Software-Sciences/IT-Module-4-Problem-Solving-with-ICT/02-Sequential-(Linear)-Models/02-Sequential-(Linear)-Models.pptx
+++ b/Courses/Software-Sciences/IT-Module-4-Problem-Solving-with-ICT/02-Sequential-(Linear)-Models/02-Sequential-(Linear)-Models.pptx
@@ -320,7 +320,7 @@
           <a:p>
             <a:fld id="{4E087215-0C8F-4762-A664-737A353EC9A4}" type="datetimeFigureOut">
               <a:rPr lang="bg-BG" smtClean="0"/>
-              <a:t>18.03.25 г.</a:t>
+              <a:t>27.03.25 г.</a:t>
             </a:fld>
             <a:endParaRPr lang="bg-BG"/>
           </a:p>
@@ -516,7 +516,7 @@
           <a:p>
             <a:fld id="{72D84649-876A-46C9-8472-14CB09C070D8}" type="datetimeFigureOut">
               <a:rPr lang="en-US" smtClean="0"/>
-              <a:t>3/18/25</a:t>
+              <a:t>3/27/25</a:t>
             </a:fld>
             <a:endParaRPr lang="en-US"/>
           </a:p>
@@ -11988,13 +11988,7 @@
               <a:rPr lang="en-US" sz="3400" dirty="0">
                 <a:hlinkClick r:id="rId3"/>
               </a:rPr>
-              <a:t>https://asana</a:t>
-            </a:r>
-            <a:r>
-              <a:rPr lang="en-US" sz="3400">
-                <a:hlinkClick r:id="rId3"/>
-              </a:rPr>
-              <a:t>.com</a:t>
+              <a:t>https://asana.com</a:t>
             </a:r>
             <a:endParaRPr lang="en-US" sz="3400" dirty="0"/>
           </a:p>
@@ -20015,7 +20009,15 @@
             </a:r>
             <a:r>
               <a:rPr lang="bg-BG" dirty="0"/>
-              <a:t> модели - Примери</a:t>
+              <a:t> модели </a:t>
+            </a:r>
+            <a:r>
+              <a:rPr lang="en-GB" sz="4000" dirty="0"/>
+              <a:t>– </a:t>
+            </a:r>
+            <a:r>
+              <a:rPr lang="bg-BG" dirty="0"/>
+              <a:t>Примери</a:t>
             </a:r>
             <a:endParaRPr lang="en-US" dirty="0"/>
           </a:p>

--- a/Courses/Software-Sciences/IT-Module-4-Problem-Solving-with-ICT/02-Sequential-(Linear)-Models/02-Sequential-(Linear)-Models.pptx
+++ b/Courses/Software-Sciences/IT-Module-4-Problem-Solving-with-ICT/02-Sequential-(Linear)-Models/02-Sequential-(Linear)-Models.pptx
@@ -207,6 +207,12 @@
 </p:presentation>
 </file>
 
+<file path=ppt/authors.xml><?xml version="1.0" encoding="utf-8"?>
+<p188:authorLst xmlns:a="http://schemas.openxmlformats.org/drawingml/2006/main" xmlns:r="http://schemas.openxmlformats.org/officeDocument/2006/relationships" xmlns:p188="http://schemas.microsoft.com/office/powerpoint/2018/8/main">
+  <p188:author id="{CB4BF2F8-D32F-9387-A6CE-368ED6EFDCF0}" name="Zaraliev" initials="KZ" userId="S::Zaraliev@students.softuni.bg::e1c6524a-140e-4108-9ad5-216363431969" providerId="AD"/>
+</p188:authorLst>
+</file>
+
 <file path=ppt/commentAuthors.xml><?xml version="1.0" encoding="utf-8"?>
 <p:cmAuthorLst xmlns:a="http://schemas.openxmlformats.org/drawingml/2006/main" xmlns:r="http://schemas.openxmlformats.org/officeDocument/2006/relationships" xmlns:p="http://schemas.openxmlformats.org/presentationml/2006/main">
   <p:cmAuthor id="1" name="PC" initials="P" lastIdx="8" clrIdx="0">
@@ -224,6 +230,76 @@
     </p:extLst>
   </p:cmAuthor>
 </p:cmAuthorLst>
+</file>
+
+<file path=ppt/comments/modernComment_27B_AA1567F3.xml><?xml version="1.0" encoding="utf-8"?>
+<p188:cmLst xmlns:a="http://schemas.openxmlformats.org/drawingml/2006/main" xmlns:r="http://schemas.openxmlformats.org/officeDocument/2006/relationships" xmlns:p188="http://schemas.microsoft.com/office/powerpoint/2018/8/main">
+  <p188:cm id="{55067D6C-9C5C-4D6E-8E37-79EAA0B75F42}" authorId="{CB4BF2F8-D32F-9387-A6CE-368ED6EFDCF0}" created="2025-05-05T11:25:44.480">
+    <ac:txMkLst xmlns:ac="http://schemas.microsoft.com/office/drawing/2013/main/command">
+      <pc:docMk xmlns:pc="http://schemas.microsoft.com/office/powerpoint/2013/main/command"/>
+      <pc:sldMk xmlns:pc="http://schemas.microsoft.com/office/powerpoint/2013/main/command" cId="2853529587" sldId="635"/>
+      <ac:spMk id="7" creationId="{320B2856-CE5E-4934-BD1C-1D81E68E529A}"/>
+      <ac:txMk cp="0" len="11">
+        <ac:context len="195" hash="3414224213"/>
+      </ac:txMk>
+    </ac:txMkLst>
+    <p188:pos x="2907800" y="288430"/>
+    <p188:txBody>
+      <a:bodyPr/>
+      <a:lstStyle/>
+      <a:p>
+        <a:r>
+          <a:rPr lang="en-GB"/>
+          <a:t>Най-ранният - да се промени, така че да стане ясно, че е един от първите</a:t>
+        </a:r>
+      </a:p>
+    </p188:txBody>
+  </p188:cm>
+</p188:cmLst>
+</file>
+
+<file path=ppt/comments/modernComment_27F_46FE35A3.xml><?xml version="1.0" encoding="utf-8"?>
+<p188:cmLst xmlns:a="http://schemas.openxmlformats.org/drawingml/2006/main" xmlns:r="http://schemas.openxmlformats.org/officeDocument/2006/relationships" xmlns:p188="http://schemas.microsoft.com/office/powerpoint/2018/8/main">
+  <p188:cm id="{3163D514-7152-43B7-A92C-7DE62F4D61AF}" authorId="{CB4BF2F8-D32F-9387-A6CE-368ED6EFDCF0}" created="2025-05-05T11:06:06.622">
+    <ac:deMkLst xmlns:ac="http://schemas.microsoft.com/office/drawing/2013/main/command">
+      <pc:docMk xmlns:pc="http://schemas.microsoft.com/office/powerpoint/2013/main/command"/>
+      <pc:sldMk xmlns:pc="http://schemas.microsoft.com/office/powerpoint/2013/main/command" cId="1191064995" sldId="639"/>
+      <ac:picMk id="5" creationId="{0C081F42-75B0-4521-F391-8003B1B104FA}"/>
+    </ac:deMkLst>
+    <p188:txBody>
+      <a:bodyPr/>
+      <a:lstStyle/>
+      <a:p>
+        <a:r>
+          <a:rPr lang="en-GB"/>
+          <a:t>Смени го с лого на Asana</a:t>
+        </a:r>
+      </a:p>
+    </p188:txBody>
+  </p188:cm>
+</p188:cmLst>
+</file>
+
+<file path=ppt/comments/modernComment_282_4759DF7A.xml><?xml version="1.0" encoding="utf-8"?>
+<p188:cmLst xmlns:a="http://schemas.openxmlformats.org/drawingml/2006/main" xmlns:r="http://schemas.openxmlformats.org/officeDocument/2006/relationships" xmlns:p188="http://schemas.microsoft.com/office/powerpoint/2018/8/main">
+  <p188:cm id="{54D36083-C454-47BB-80F9-B3F6B27169C7}" authorId="{CB4BF2F8-D32F-9387-A6CE-368ED6EFDCF0}" created="2025-05-05T11:28:30.765">
+    <ac:deMkLst xmlns:ac="http://schemas.microsoft.com/office/drawing/2013/main/command">
+      <pc:docMk xmlns:pc="http://schemas.microsoft.com/office/powerpoint/2013/main/command"/>
+      <pc:sldMk xmlns:pc="http://schemas.microsoft.com/office/powerpoint/2013/main/command" cId="1197072250" sldId="642"/>
+      <ac:picMk id="3" creationId="{002AC75E-C6D3-E916-CF7C-2A65E838E1EC}"/>
+    </ac:deMkLst>
+    <p188:txBody>
+      <a:bodyPr/>
+      <a:lstStyle/>
+      <a:p>
+        <a:r>
+          <a:rPr lang="en-GB"/>
+          <a:t>Същата снимка е, както и при миналия слайд</a:t>
+        </a:r>
+      </a:p>
+    </p188:txBody>
+  </p188:cm>
+</p188:cmLst>
 </file>
 
 <file path=ppt/handoutMasters/handoutMaster1.xml><?xml version="1.0" encoding="utf-8"?>
@@ -320,7 +396,7 @@
           <a:p>
             <a:fld id="{4E087215-0C8F-4762-A664-737A353EC9A4}" type="datetimeFigureOut">
               <a:rPr lang="bg-BG" smtClean="0"/>
-              <a:t>27.03.25 г.</a:t>
+              <a:t>5.5.2025 г.</a:t>
             </a:fld>
             <a:endParaRPr lang="bg-BG"/>
           </a:p>
@@ -516,7 +592,7 @@
           <a:p>
             <a:fld id="{72D84649-876A-46C9-8472-14CB09C070D8}" type="datetimeFigureOut">
               <a:rPr lang="en-US" smtClean="0"/>
-              <a:t>3/27/25</a:t>
+              <a:t>5/5/2025</a:t>
             </a:fld>
             <a:endParaRPr lang="en-US"/>
           </a:p>
@@ -10822,7 +10898,7 @@
           <p:nvPr/>
         </p:nvPicPr>
         <p:blipFill>
-          <a:blip r:embed="rId3">
+          <a:blip r:embed="rId4">
             <a:extLst>
               <a:ext uri="{28A0092B-C50C-407E-A947-70E740481C1C}">
                 <a14:useLocalDpi xmlns:a14="http://schemas.microsoft.com/office/drawing/2010/main" val="0"/>
@@ -11038,6 +11114,11 @@
       </p:par>
     </p:tnLst>
   </p:timing>
+  <p:extLst>
+    <p:ext uri="{6950BFC3-D8DA-4A85-94F7-54DA5524770B}">
+      <p188:commentRel xmlns:p188="http://schemas.microsoft.com/office/powerpoint/2018/8/main" r:id="rId3"/>
+    </p:ext>
+  </p:extLst>
 </p:sld>
 </file>
 
@@ -11822,7 +11903,7 @@
           <p:nvPr/>
         </p:nvPicPr>
         <p:blipFill rotWithShape="1">
-          <a:blip r:embed="rId3">
+          <a:blip r:embed="rId4">
             <a:extLst>
               <a:ext uri="{28A0092B-C50C-407E-A947-70E740481C1C}">
                 <a14:useLocalDpi xmlns:a14="http://schemas.microsoft.com/office/drawing/2010/main" val="0"/>
@@ -11860,6 +11941,11 @@
       <p:transition spd="slow" advClick="0" advTm="5000"/>
     </mc:Fallback>
   </mc:AlternateContent>
+  <p:extLst>
+    <p:ext uri="{6950BFC3-D8DA-4A85-94F7-54DA5524770B}">
+      <p188:commentRel xmlns:p188="http://schemas.microsoft.com/office/powerpoint/2018/8/main" r:id="rId3"/>
+    </p:ext>
+  </p:extLst>
 </p:sld>
 </file>
 
@@ -20804,7 +20890,7 @@
           <p:nvPr/>
         </p:nvPicPr>
         <p:blipFill>
-          <a:blip r:embed="rId3">
+          <a:blip r:embed="rId4">
             <a:extLst>
               <a:ext uri="{28A0092B-C50C-407E-A947-70E740481C1C}">
                 <a14:useLocalDpi xmlns:a14="http://schemas.microsoft.com/office/drawing/2010/main" val="0"/>
@@ -21020,6 +21106,11 @@
       </p:par>
     </p:tnLst>
   </p:timing>
+  <p:extLst>
+    <p:ext uri="{6950BFC3-D8DA-4A85-94F7-54DA5524770B}">
+      <p188:commentRel xmlns:p188="http://schemas.microsoft.com/office/powerpoint/2018/8/main" r:id="rId3"/>
+    </p:ext>
+  </p:extLst>
 </p:sld>
 </file>
 

--- a/Courses/Software-Sciences/IT-Module-4-Problem-Solving-with-ICT/02-Sequential-(Linear)-Models/02-Sequential-(Linear)-Models.pptx
+++ b/Courses/Software-Sciences/IT-Module-4-Problem-Solving-with-ICT/02-Sequential-(Linear)-Models/02-Sequential-(Linear)-Models.pptx
@@ -232,76 +232,6 @@
 </p:cmAuthorLst>
 </file>
 
-<file path=ppt/comments/modernComment_27B_AA1567F3.xml><?xml version="1.0" encoding="utf-8"?>
-<p188:cmLst xmlns:a="http://schemas.openxmlformats.org/drawingml/2006/main" xmlns:r="http://schemas.openxmlformats.org/officeDocument/2006/relationships" xmlns:p188="http://schemas.microsoft.com/office/powerpoint/2018/8/main">
-  <p188:cm id="{55067D6C-9C5C-4D6E-8E37-79EAA0B75F42}" authorId="{CB4BF2F8-D32F-9387-A6CE-368ED6EFDCF0}" created="2025-05-05T11:25:44.480">
-    <ac:txMkLst xmlns:ac="http://schemas.microsoft.com/office/drawing/2013/main/command">
-      <pc:docMk xmlns:pc="http://schemas.microsoft.com/office/powerpoint/2013/main/command"/>
-      <pc:sldMk xmlns:pc="http://schemas.microsoft.com/office/powerpoint/2013/main/command" cId="2853529587" sldId="635"/>
-      <ac:spMk id="7" creationId="{320B2856-CE5E-4934-BD1C-1D81E68E529A}"/>
-      <ac:txMk cp="0" len="11">
-        <ac:context len="195" hash="3414224213"/>
-      </ac:txMk>
-    </ac:txMkLst>
-    <p188:pos x="2907800" y="288430"/>
-    <p188:txBody>
-      <a:bodyPr/>
-      <a:lstStyle/>
-      <a:p>
-        <a:r>
-          <a:rPr lang="en-GB"/>
-          <a:t>Най-ранният - да се промени, така че да стане ясно, че е един от първите</a:t>
-        </a:r>
-      </a:p>
-    </p188:txBody>
-  </p188:cm>
-</p188:cmLst>
-</file>
-
-<file path=ppt/comments/modernComment_27F_46FE35A3.xml><?xml version="1.0" encoding="utf-8"?>
-<p188:cmLst xmlns:a="http://schemas.openxmlformats.org/drawingml/2006/main" xmlns:r="http://schemas.openxmlformats.org/officeDocument/2006/relationships" xmlns:p188="http://schemas.microsoft.com/office/powerpoint/2018/8/main">
-  <p188:cm id="{3163D514-7152-43B7-A92C-7DE62F4D61AF}" authorId="{CB4BF2F8-D32F-9387-A6CE-368ED6EFDCF0}" created="2025-05-05T11:06:06.622">
-    <ac:deMkLst xmlns:ac="http://schemas.microsoft.com/office/drawing/2013/main/command">
-      <pc:docMk xmlns:pc="http://schemas.microsoft.com/office/powerpoint/2013/main/command"/>
-      <pc:sldMk xmlns:pc="http://schemas.microsoft.com/office/powerpoint/2013/main/command" cId="1191064995" sldId="639"/>
-      <ac:picMk id="5" creationId="{0C081F42-75B0-4521-F391-8003B1B104FA}"/>
-    </ac:deMkLst>
-    <p188:txBody>
-      <a:bodyPr/>
-      <a:lstStyle/>
-      <a:p>
-        <a:r>
-          <a:rPr lang="en-GB"/>
-          <a:t>Смени го с лого на Asana</a:t>
-        </a:r>
-      </a:p>
-    </p188:txBody>
-  </p188:cm>
-</p188:cmLst>
-</file>
-
-<file path=ppt/comments/modernComment_282_4759DF7A.xml><?xml version="1.0" encoding="utf-8"?>
-<p188:cmLst xmlns:a="http://schemas.openxmlformats.org/drawingml/2006/main" xmlns:r="http://schemas.openxmlformats.org/officeDocument/2006/relationships" xmlns:p188="http://schemas.microsoft.com/office/powerpoint/2018/8/main">
-  <p188:cm id="{54D36083-C454-47BB-80F9-B3F6B27169C7}" authorId="{CB4BF2F8-D32F-9387-A6CE-368ED6EFDCF0}" created="2025-05-05T11:28:30.765">
-    <ac:deMkLst xmlns:ac="http://schemas.microsoft.com/office/drawing/2013/main/command">
-      <pc:docMk xmlns:pc="http://schemas.microsoft.com/office/powerpoint/2013/main/command"/>
-      <pc:sldMk xmlns:pc="http://schemas.microsoft.com/office/powerpoint/2013/main/command" cId="1197072250" sldId="642"/>
-      <ac:picMk id="3" creationId="{002AC75E-C6D3-E916-CF7C-2A65E838E1EC}"/>
-    </ac:deMkLst>
-    <p188:txBody>
-      <a:bodyPr/>
-      <a:lstStyle/>
-      <a:p>
-        <a:r>
-          <a:rPr lang="en-GB"/>
-          <a:t>Същата снимка е, както и при миналия слайд</a:t>
-        </a:r>
-      </a:p>
-    </p188:txBody>
-  </p188:cm>
-</p188:cmLst>
-</file>
-
 <file path=ppt/handoutMasters/handoutMaster1.xml><?xml version="1.0" encoding="utf-8"?>
 <p:handoutMaster xmlns:a="http://schemas.openxmlformats.org/drawingml/2006/main" xmlns:r="http://schemas.openxmlformats.org/officeDocument/2006/relationships" xmlns:p="http://schemas.openxmlformats.org/presentationml/2006/main">
   <p:cSld>
@@ -396,7 +326,7 @@
           <a:p>
             <a:fld id="{4E087215-0C8F-4762-A664-737A353EC9A4}" type="datetimeFigureOut">
               <a:rPr lang="bg-BG" smtClean="0"/>
-              <a:t>5.5.2025 г.</a:t>
+              <a:t>7.05.25 г.</a:t>
             </a:fld>
             <a:endParaRPr lang="bg-BG"/>
           </a:p>
@@ -592,7 +522,7 @@
           <a:p>
             <a:fld id="{72D84649-876A-46C9-8472-14CB09C070D8}" type="datetimeFigureOut">
               <a:rPr lang="en-US" smtClean="0"/>
-              <a:t>5/5/2025</a:t>
+              <a:t>5/7/25</a:t>
             </a:fld>
             <a:endParaRPr lang="en-US"/>
           </a:p>
@@ -10885,10 +10815,10 @@
       </p:sp>
       <p:pic>
         <p:nvPicPr>
-          <p:cNvPr id="3" name="Picture 2">
+          <p:cNvPr id="5" name="Picture 4">
             <a:extLst>
               <a:ext uri="{FF2B5EF4-FFF2-40B4-BE49-F238E27FC236}">
-                <a16:creationId xmlns:a16="http://schemas.microsoft.com/office/drawing/2014/main" id="{002AC75E-C6D3-E916-CF7C-2A65E838E1EC}"/>
+                <a16:creationId xmlns:a16="http://schemas.microsoft.com/office/drawing/2014/main" id="{79AB4039-0CCA-11BE-6958-FE08B4DBC7BF}"/>
               </a:ext>
             </a:extLst>
           </p:cNvPr>
@@ -10897,22 +10827,21 @@
           </p:cNvPicPr>
           <p:nvPr/>
         </p:nvPicPr>
-        <p:blipFill>
-          <a:blip r:embed="rId4">
+        <p:blipFill rotWithShape="1">
+          <a:blip r:embed="rId3">
             <a:extLst>
               <a:ext uri="{28A0092B-C50C-407E-A947-70E740481C1C}">
                 <a14:useLocalDpi xmlns:a14="http://schemas.microsoft.com/office/drawing/2010/main" val="0"/>
               </a:ext>
             </a:extLst>
           </a:blip>
-          <a:stretch>
-            <a:fillRect/>
-          </a:stretch>
+          <a:srcRect t="7734" b="6323"/>
+          <a:stretch/>
         </p:blipFill>
         <p:spPr>
           <a:xfrm>
-            <a:off x="3884851" y="3781300"/>
-            <a:ext cx="4422297" cy="2943591"/>
+            <a:off x="2732250" y="3834000"/>
+            <a:ext cx="6727500" cy="2890891"/>
           </a:xfrm>
           <a:prstGeom prst="rect">
             <a:avLst/>
@@ -11114,11 +11043,6 @@
       </p:par>
     </p:tnLst>
   </p:timing>
-  <p:extLst>
-    <p:ext uri="{6950BFC3-D8DA-4A85-94F7-54DA5524770B}">
-      <p188:commentRel xmlns:p188="http://schemas.microsoft.com/office/powerpoint/2018/8/main" r:id="rId3"/>
-    </p:ext>
-  </p:extLst>
 </p:sld>
 </file>
 
@@ -11890,10 +11814,10 @@
       </p:sp>
       <p:pic>
         <p:nvPicPr>
-          <p:cNvPr id="5" name="Picture 4">
+          <p:cNvPr id="3" name="Graphic 2">
             <a:extLst>
               <a:ext uri="{FF2B5EF4-FFF2-40B4-BE49-F238E27FC236}">
-                <a16:creationId xmlns:a16="http://schemas.microsoft.com/office/drawing/2014/main" id="{0C081F42-75B0-4521-F391-8003B1B104FA}"/>
+                <a16:creationId xmlns:a16="http://schemas.microsoft.com/office/drawing/2014/main" id="{0ADA8DCA-63CF-D327-EC5E-A2A4C237C584}"/>
               </a:ext>
             </a:extLst>
           </p:cNvPr>
@@ -11903,20 +11827,23 @@
           <p:nvPr/>
         </p:nvPicPr>
         <p:blipFill rotWithShape="1">
-          <a:blip r:embed="rId4">
+          <a:blip r:embed="rId3">
             <a:extLst>
               <a:ext uri="{28A0092B-C50C-407E-A947-70E740481C1C}">
                 <a14:useLocalDpi xmlns:a14="http://schemas.microsoft.com/office/drawing/2010/main" val="0"/>
               </a:ext>
+              <a:ext uri="{96DAC541-7B7A-43D3-8B79-37D633B846F1}">
+                <asvg:svgBlip xmlns:asvg="http://schemas.microsoft.com/office/drawing/2016/SVG/main" r:embed="rId4"/>
+              </a:ext>
             </a:extLst>
           </a:blip>
-          <a:srcRect l="57866" t="80251" r="142" b="701"/>
+          <a:srcRect l="28665" r="28665" b="39801"/>
           <a:stretch/>
         </p:blipFill>
         <p:spPr>
           <a:xfrm>
-            <a:off x="4431000" y="2439000"/>
-            <a:ext cx="3330000" cy="524409"/>
+            <a:off x="4568231" y="1179000"/>
+            <a:ext cx="3055537" cy="2844000"/>
           </a:xfrm>
           <a:prstGeom prst="rect">
             <a:avLst/>
@@ -11941,11 +11868,6 @@
       <p:transition spd="slow" advClick="0" advTm="5000"/>
     </mc:Fallback>
   </mc:AlternateContent>
-  <p:extLst>
-    <p:ext uri="{6950BFC3-D8DA-4A85-94F7-54DA5524770B}">
-      <p188:commentRel xmlns:p188="http://schemas.microsoft.com/office/powerpoint/2018/8/main" r:id="rId3"/>
-    </p:ext>
-  </p:extLst>
 </p:sld>
 </file>
 
@@ -20728,12 +20650,16 @@
               </a:buClr>
             </a:pPr>
             <a:r>
+              <a:rPr lang="bg-BG" sz="3400" dirty="0"/>
+              <a:t>Един от </a:t>
+            </a:r>
+            <a:r>
               <a:rPr lang="bg-BG" sz="3400" b="1" dirty="0">
                 <a:solidFill>
                   <a:schemeClr val="bg1"/>
                 </a:solidFill>
               </a:rPr>
-              <a:t>Най-ранният</a:t>
+              <a:t>най-ранните</a:t>
             </a:r>
             <a:r>
               <a:rPr lang="bg-BG" sz="3400" b="1" dirty="0"/>
@@ -20741,7 +20667,7 @@
             </a:r>
             <a:r>
               <a:rPr lang="bg-BG" sz="3400" dirty="0"/>
-              <a:t>модел</a:t>
+              <a:t>модели</a:t>
             </a:r>
             <a:r>
               <a:rPr lang="bg-BG" sz="3400" b="1" dirty="0"/>
@@ -20890,7 +20816,7 @@
           <p:nvPr/>
         </p:nvPicPr>
         <p:blipFill>
-          <a:blip r:embed="rId4">
+          <a:blip r:embed="rId3">
             <a:extLst>
               <a:ext uri="{28A0092B-C50C-407E-A947-70E740481C1C}">
                 <a14:useLocalDpi xmlns:a14="http://schemas.microsoft.com/office/drawing/2010/main" val="0"/>
@@ -21106,11 +21032,6 @@
       </p:par>
     </p:tnLst>
   </p:timing>
-  <p:extLst>
-    <p:ext uri="{6950BFC3-D8DA-4A85-94F7-54DA5524770B}">
-      <p188:commentRel xmlns:p188="http://schemas.microsoft.com/office/powerpoint/2018/8/main" r:id="rId3"/>
-    </p:ext>
-  </p:extLst>
 </p:sld>
 </file>
 

--- a/Courses/Software-Sciences/IT-Module-4-Problem-Solving-with-ICT/02-Sequential-(Linear)-Models/02-Sequential-(Linear)-Models.pptx
+++ b/Courses/Software-Sciences/IT-Module-4-Problem-Solving-with-ICT/02-Sequential-(Linear)-Models/02-Sequential-(Linear)-Models.pptx
@@ -326,7 +326,7 @@
           <a:p>
             <a:fld id="{4E087215-0C8F-4762-A664-737A353EC9A4}" type="datetimeFigureOut">
               <a:rPr lang="bg-BG" smtClean="0"/>
-              <a:t>7.05.25 г.</a:t>
+              <a:t>2.06.25 г.</a:t>
             </a:fld>
             <a:endParaRPr lang="bg-BG"/>
           </a:p>
@@ -522,7 +522,7 @@
           <a:p>
             <a:fld id="{72D84649-876A-46C9-8472-14CB09C070D8}" type="datetimeFigureOut">
               <a:rPr lang="en-US" smtClean="0"/>
-              <a:t>5/7/25</a:t>
+              <a:t>6/2/25</a:t>
             </a:fld>
             <a:endParaRPr lang="en-US"/>
           </a:p>
@@ -9973,8 +9973,8 @@
         </p:blipFill>
         <p:spPr>
           <a:xfrm>
-            <a:off x="572403" y="3038128"/>
-            <a:ext cx="1897168" cy="885072"/>
+            <a:off x="572403" y="3055226"/>
+            <a:ext cx="1897168" cy="850875"/>
           </a:xfrm>
           <a:prstGeom prst="rect">
             <a:avLst/>

--- a/Courses/Software-Sciences/IT-Module-4-Problem-Solving-with-ICT/02-Sequential-(Linear)-Models/02-Sequential-(Linear)-Models.pptx
+++ b/Courses/Software-Sciences/IT-Module-4-Problem-Solving-with-ICT/02-Sequential-(Linear)-Models/02-Sequential-(Linear)-Models.pptx
@@ -232,6 +232,28 @@
 </p:cmAuthorLst>
 </file>
 
+<file path=ppt/comments/modernComment_27B_AA1567F3.xml><?xml version="1.0" encoding="utf-8"?>
+<p188:cmLst xmlns:a="http://schemas.openxmlformats.org/drawingml/2006/main" xmlns:r="http://schemas.openxmlformats.org/officeDocument/2006/relationships" xmlns:p188="http://schemas.microsoft.com/office/powerpoint/2018/8/main">
+  <p188:cm id="{3DD2BA44-9CE2-4DB6-A123-287D52CA33B6}" authorId="{CB4BF2F8-D32F-9387-A6CE-368ED6EFDCF0}" created="2025-06-18T12:06:58.821">
+    <ac:deMkLst xmlns:ac="http://schemas.microsoft.com/office/drawing/2013/main/command">
+      <pc:docMk xmlns:pc="http://schemas.microsoft.com/office/powerpoint/2013/main/command"/>
+      <pc:sldMk xmlns:pc="http://schemas.microsoft.com/office/powerpoint/2013/main/command" cId="2853529587" sldId="635"/>
+      <ac:picMk id="3" creationId="{4704F16C-2253-ED76-5190-4AEA323C30BA}"/>
+    </ac:deMkLst>
+    <p188:txBody>
+      <a:bodyPr/>
+      <a:lstStyle/>
+      <a:p>
+        <a:r>
+          <a:rPr lang="en-GB"/>
+          <a:t>Смени снимката с друга. Стълбичката да върви надолу</a:t>
+        </a:r>
+      </a:p>
+    </p188:txBody>
+  </p188:cm>
+</p188:cmLst>
+</file>
+
 <file path=ppt/handoutMasters/handoutMaster1.xml><?xml version="1.0" encoding="utf-8"?>
 <p:handoutMaster xmlns:a="http://schemas.openxmlformats.org/drawingml/2006/main" xmlns:r="http://schemas.openxmlformats.org/officeDocument/2006/relationships" xmlns:p="http://schemas.openxmlformats.org/presentationml/2006/main">
   <p:cSld>
@@ -326,7 +348,7 @@
           <a:p>
             <a:fld id="{4E087215-0C8F-4762-A664-737A353EC9A4}" type="datetimeFigureOut">
               <a:rPr lang="bg-BG" smtClean="0"/>
-              <a:t>2.06.25 г.</a:t>
+              <a:t>18.6.2025 г.</a:t>
             </a:fld>
             <a:endParaRPr lang="bg-BG"/>
           </a:p>
@@ -522,7 +544,7 @@
           <a:p>
             <a:fld id="{72D84649-876A-46C9-8472-14CB09C070D8}" type="datetimeFigureOut">
               <a:rPr lang="en-US" smtClean="0"/>
-              <a:t>6/2/25</a:t>
+              <a:t>6/18/2025</a:t>
             </a:fld>
             <a:endParaRPr lang="en-US"/>
           </a:p>
@@ -20816,7 +20838,7 @@
           <p:nvPr/>
         </p:nvPicPr>
         <p:blipFill>
-          <a:blip r:embed="rId3">
+          <a:blip r:embed="rId4">
             <a:extLst>
               <a:ext uri="{28A0092B-C50C-407E-A947-70E740481C1C}">
                 <a14:useLocalDpi xmlns:a14="http://schemas.microsoft.com/office/drawing/2010/main" val="0"/>
@@ -21032,6 +21054,11 @@
       </p:par>
     </p:tnLst>
   </p:timing>
+  <p:extLst>
+    <p:ext uri="{6950BFC3-D8DA-4A85-94F7-54DA5524770B}">
+      <p188:commentRel xmlns:p188="http://schemas.microsoft.com/office/powerpoint/2018/8/main" r:id="rId3"/>
+    </p:ext>
+  </p:extLst>
 </p:sld>
 </file>
 
